--- a/Documentação/Status_Report/Mod_Status_Report-PI20202-att (1).pptx
+++ b/Documentação/Status_Report/Mod_Status_Report-PI20202-att (1).pptx
@@ -30095,26 +30095,6 @@
                 <a:latin typeface="Arial" panose="020B0604020202020204" pitchFamily="34" charset="0"/>
                 <a:cs typeface="Arial" panose="020B0604020202020204" pitchFamily="34" charset="0"/>
               </a:rPr>
-              <a:t>Finalizamos a tela do perfil</a:t>
-            </a:r>
-          </a:p>
-          <a:p>
-            <a:pPr marL="252049" indent="-252049" fontAlgn="base">
-              <a:spcBef>
-                <a:spcPct val="0"/>
-              </a:spcBef>
-              <a:buFont typeface="Wingdings" panose="05000000000000000000" pitchFamily="2" charset="2"/>
-              <a:buChar char="ü"/>
-              <a:defRPr/>
-            </a:pPr>
-            <a:r>
-              <a:rPr lang="pt-BR" sz="1600" b="1" dirty="0">
-                <a:solidFill>
-                  <a:schemeClr val="tx1"/>
-                </a:solidFill>
-                <a:latin typeface="Arial" panose="020B0604020202020204" pitchFamily="34" charset="0"/>
-                <a:cs typeface="Arial" panose="020B0604020202020204" pitchFamily="34" charset="0"/>
-              </a:rPr>
               <a:t>Finalizamos a tela de </a:t>
             </a:r>
             <a:r>
@@ -30152,7 +30132,7 @@
               <a:buChar char="ü"/>
               <a:defRPr/>
             </a:pPr>
-            <a:endParaRPr lang="pt-BR" sz="1600" b="1" dirty="0">
+            <a:endParaRPr lang="pt-BR" sz="1600" b="1" u="sng" dirty="0">
               <a:solidFill>
                 <a:schemeClr val="tx1"/>
               </a:solidFill>
@@ -44276,6 +44256,15 @@
 </file>
 
 <file path=customXml/item1.xml><?xml version="1.0" encoding="utf-8"?>
+<?mso-contentType ?>
+<FormTemplates xmlns="http://schemas.microsoft.com/sharepoint/v3/contenttype/forms">
+  <Display>DocumentLibraryForm</Display>
+  <Edit>DocumentLibraryForm</Edit>
+  <New>DocumentLibraryForm</New>
+</FormTemplates>
+</file>
+
+<file path=customXml/item2.xml><?xml version="1.0" encoding="utf-8"?>
 <ct:contentTypeSchema xmlns:ct="http://schemas.microsoft.com/office/2006/metadata/contentType" xmlns:ma="http://schemas.microsoft.com/office/2006/metadata/properties/metaAttributes" ct:_="" ma:_="" ma:contentTypeName="Document" ma:contentTypeID="0x0101001132905C37EA9847A7207C4BBCCCD8F4" ma:contentTypeVersion="34" ma:contentTypeDescription="Create a new document." ma:contentTypeScope="" ma:versionID="2f28daba72ca6e92be87ea70ebe5bb94">
   <xsd:schema xmlns:xsd="http://www.w3.org/2001/XMLSchema" xmlns:xs="http://www.w3.org/2001/XMLSchema" xmlns:p="http://schemas.microsoft.com/office/2006/metadata/properties" xmlns:ns3="4327b14a-fe89-488e-9f6d-9658cacf372b" xmlns:ns4="bbcd8c33-6940-4d4c-a587-bbc736ca1e4d" targetNamespace="http://schemas.microsoft.com/office/2006/metadata/properties" ma:root="true" ma:fieldsID="df18e839ce2650f1975b41376e6cdb6b" ns3:_="" ns4:_="">
     <xsd:import namespace="4327b14a-fe89-488e-9f6d-9658cacf372b"/>
@@ -44692,15 +44681,6 @@
 </ct:contentTypeSchema>
 </file>
 
-<file path=customXml/item2.xml><?xml version="1.0" encoding="utf-8"?>
-<?mso-contentType ?>
-<FormTemplates xmlns="http://schemas.microsoft.com/sharepoint/v3/contenttype/forms">
-  <Display>DocumentLibraryForm</Display>
-  <Edit>DocumentLibraryForm</Edit>
-  <New>DocumentLibraryForm</New>
-</FormTemplates>
-</file>
-
 <file path=customXml/item3.xml><?xml version="1.0" encoding="utf-8"?>
 <p:properties xmlns:p="http://schemas.microsoft.com/office/2006/metadata/properties" xmlns:xsi="http://www.w3.org/2001/XMLSchema-instance" xmlns:pc="http://schemas.microsoft.com/office/infopath/2007/PartnerControls">
   <documentManagement>
@@ -44754,6 +44734,14 @@
 </file>
 
 <file path=customXml/itemProps1.xml><?xml version="1.0" encoding="utf-8"?>
+<ds:datastoreItem xmlns:ds="http://schemas.openxmlformats.org/officeDocument/2006/customXml" ds:itemID="{E2481852-F24E-4532-AF30-C154D705D105}">
+  <ds:schemaRefs>
+    <ds:schemaRef ds:uri="http://schemas.microsoft.com/sharepoint/v3/contenttype/forms"/>
+  </ds:schemaRefs>
+</ds:datastoreItem>
+</file>
+
+<file path=customXml/itemProps2.xml><?xml version="1.0" encoding="utf-8"?>
 <ds:datastoreItem xmlns:ds="http://schemas.openxmlformats.org/officeDocument/2006/customXml" ds:itemID="{3BE6CAF6-1F55-4A70-B10C-21633F74987A}">
   <ds:schemaRefs>
     <ds:schemaRef ds:uri="http://schemas.microsoft.com/office/2006/metadata/contentType"/>
@@ -44768,14 +44756,6 @@
     <ds:schemaRef ds:uri="http://purl.org/dc/elements/1.1/"/>
     <ds:schemaRef ds:uri="http://purl.org/dc/terms/"/>
     <ds:schemaRef ds:uri="http://schemas.microsoft.com/internal/obd"/>
-  </ds:schemaRefs>
-</ds:datastoreItem>
-</file>
-
-<file path=customXml/itemProps2.xml><?xml version="1.0" encoding="utf-8"?>
-<ds:datastoreItem xmlns:ds="http://schemas.openxmlformats.org/officeDocument/2006/customXml" ds:itemID="{E2481852-F24E-4532-AF30-C154D705D105}">
-  <ds:schemaRefs>
-    <ds:schemaRef ds:uri="http://schemas.microsoft.com/sharepoint/v3/contenttype/forms"/>
   </ds:schemaRefs>
 </ds:datastoreItem>
 </file>
